--- a/Deliverables/ramuldSlides.pptx
+++ b/Deliverables/ramuldSlides.pptx
@@ -512,6 +512,34 @@
           <a:bodyPr/>
           <a:lstStyle/>
           <a:p>
+            <a:r>
+              <a:rPr lang="da-DK" dirty="0" err="1"/>
+              <a:t>Wanted</a:t>
+            </a:r>
+            <a:r>
+              <a:rPr lang="da-DK" dirty="0"/>
+              <a:t> to </a:t>
+            </a:r>
+            <a:r>
+              <a:rPr lang="da-DK" dirty="0" err="1"/>
+              <a:t>prototpye</a:t>
+            </a:r>
+            <a:r>
+              <a:rPr lang="da-DK" dirty="0"/>
+              <a:t> </a:t>
+            </a:r>
+            <a:r>
+              <a:rPr lang="da-DK" dirty="0" err="1"/>
+              <a:t>betting</a:t>
+            </a:r>
+            <a:r>
+              <a:rPr lang="da-DK" dirty="0"/>
+              <a:t> </a:t>
+            </a:r>
+            <a:r>
+              <a:rPr lang="da-DK" dirty="0" err="1"/>
+              <a:t>kernel</a:t>
+            </a:r>
             <a:endParaRPr lang="en-DK" dirty="0"/>
           </a:p>
         </p:txBody>
@@ -835,62 +863,6 @@
               <a:rPr lang="da-DK" dirty="0"/>
               <a:t> views -&gt; </a:t>
             </a:r>
-            <a:r>
-              <a:rPr lang="da-DK" dirty="0" err="1"/>
-              <a:t>Realized</a:t>
-            </a:r>
-            <a:r>
-              <a:rPr lang="da-DK" dirty="0"/>
-              <a:t> </a:t>
-            </a:r>
-            <a:r>
-              <a:rPr lang="da-DK" dirty="0" err="1"/>
-              <a:t>project</a:t>
-            </a:r>
-            <a:r>
-              <a:rPr lang="da-DK" dirty="0"/>
-              <a:t> </a:t>
-            </a:r>
-            <a:r>
-              <a:rPr lang="da-DK" dirty="0" err="1"/>
-              <a:t>needs</a:t>
-            </a:r>
-            <a:r>
-              <a:rPr lang="da-DK" dirty="0"/>
-              <a:t> to </a:t>
-            </a:r>
-            <a:r>
-              <a:rPr lang="da-DK" dirty="0" err="1"/>
-              <a:t>be</a:t>
-            </a:r>
-            <a:r>
-              <a:rPr lang="da-DK" dirty="0"/>
-              <a:t> </a:t>
-            </a:r>
-            <a:r>
-              <a:rPr lang="da-DK" dirty="0" err="1"/>
-              <a:t>fictitious</a:t>
-            </a:r>
-            <a:r>
-              <a:rPr lang="da-DK" dirty="0"/>
-              <a:t> to </a:t>
-            </a:r>
-            <a:r>
-              <a:rPr lang="da-DK" dirty="0" err="1"/>
-              <a:t>be</a:t>
-            </a:r>
-            <a:r>
-              <a:rPr lang="da-DK" dirty="0"/>
-              <a:t> </a:t>
-            </a:r>
-            <a:r>
-              <a:rPr lang="da-DK" dirty="0" err="1"/>
-              <a:t>dersirable</a:t>
-            </a:r>
-            <a:r>
-              <a:rPr lang="da-DK" dirty="0"/>
-              <a:t> for stakeholders</a:t>
-            </a:r>
           </a:p>
           <a:p>
             <a:pPr marL="0" marR="0" lvl="0" indent="0" algn="l" defTabSz="914400" rtl="0" eaLnBrk="1" fontAlgn="auto" latinLnBrk="0" hangingPunct="1">
@@ -916,13 +888,8 @@
             </a:r>
             <a:r>
               <a:rPr lang="da-DK" dirty="0"/>
-              <a:t> to prototype Event Broker -&gt; Is in </a:t>
-            </a:r>
-            <a:r>
-              <a:rPr lang="da-DK" dirty="0" err="1"/>
-              <a:t>backlog</a:t>
-            </a:r>
-            <a:endParaRPr lang="da-DK" dirty="0"/>
+              <a:t> to prototype Event Broker</a:t>
+            </a:r>
           </a:p>
           <a:p>
             <a:pPr marL="0" marR="0" lvl="0" indent="0" algn="l" defTabSz="914400" rtl="0" eaLnBrk="1" fontAlgn="auto" latinLnBrk="0" hangingPunct="1">
